--- a/MCVN.pptx
+++ b/MCVN.pptx
@@ -3054,7 +3054,7 @@
         <p:spPr bwMode="auto">
           <a:xfrm>
             <a:off x="844116" y="7420619"/>
-            <a:ext cx="10645819" cy="6042680"/>
+            <a:ext cx="10645819" cy="6145272"/>
           </a:xfrm>
           <a:prstGeom prst="rect">
             <a:avLst/>
@@ -3190,12 +3190,36 @@
               <a:defRPr/>
             </a:pPr>
             <a:r>
+              <a:rPr lang="en-US" altLang="zh-CN" sz="4000" b="1" dirty="0">
+                <a:latin typeface="Times New Roman" panose="02020603050405020304" pitchFamily="18" charset="0"/>
+                <a:ea typeface="Arial" charset="0"/>
+                <a:cs typeface="Times New Roman" panose="02020603050405020304" pitchFamily="18" charset="0"/>
+              </a:rPr>
+              <a:t>Complex material datasets </a:t>
+            </a:r>
+            <a:r>
               <a:rPr lang="en-US" altLang="zh-CN" sz="4000" dirty="0">
                 <a:latin typeface="Times New Roman" panose="02020603050405020304" pitchFamily="18" charset="0"/>
                 <a:ea typeface="Arial" charset="0"/>
                 <a:cs typeface="Times New Roman" panose="02020603050405020304" pitchFamily="18" charset="0"/>
               </a:rPr>
-              <a:t>Complex material datasets challenge machine learning due to sparse features.</a:t>
+              <a:t>challenge </a:t>
+            </a:r>
+            <a:r>
+              <a:rPr lang="en-US" altLang="zh-CN" sz="4000" dirty="0" err="1">
+                <a:latin typeface="Times New Roman" panose="02020603050405020304" pitchFamily="18" charset="0"/>
+                <a:ea typeface="Arial" charset="0"/>
+                <a:cs typeface="Times New Roman" panose="02020603050405020304" pitchFamily="18" charset="0"/>
+              </a:rPr>
+              <a:t>mach-ine</a:t>
+            </a:r>
+            <a:r>
+              <a:rPr lang="en-US" altLang="zh-CN" sz="4000" dirty="0">
+                <a:latin typeface="Times New Roman" panose="02020603050405020304" pitchFamily="18" charset="0"/>
+                <a:ea typeface="Arial" charset="0"/>
+                <a:cs typeface="Times New Roman" panose="02020603050405020304" pitchFamily="18" charset="0"/>
+              </a:rPr>
+              <a:t> learning due to sparse features.</a:t>
             </a:r>
           </a:p>
           <a:p>
@@ -3212,12 +3236,36 @@
               <a:defRPr/>
             </a:pPr>
             <a:r>
+              <a:rPr lang="en-US" altLang="zh-CN" sz="4000" b="1" dirty="0">
+                <a:latin typeface="Times New Roman" panose="02020603050405020304" pitchFamily="18" charset="0"/>
+                <a:ea typeface="Arial" charset="0"/>
+                <a:cs typeface="Times New Roman" panose="02020603050405020304" pitchFamily="18" charset="0"/>
+              </a:rPr>
+              <a:t>Composition crucial</a:t>
+            </a:r>
+            <a:r>
               <a:rPr lang="en-US" altLang="zh-CN" sz="4000" dirty="0">
                 <a:latin typeface="Times New Roman" panose="02020603050405020304" pitchFamily="18" charset="0"/>
                 <a:ea typeface="Arial" charset="0"/>
                 <a:cs typeface="Times New Roman" panose="02020603050405020304" pitchFamily="18" charset="0"/>
               </a:rPr>
-              <a:t>Composition crucial: composition proportions overlooked.</a:t>
+              <a:t>: composition </a:t>
+            </a:r>
+            <a:r>
+              <a:rPr lang="en-US" altLang="zh-CN" sz="4000" dirty="0" err="1">
+                <a:latin typeface="Times New Roman" panose="02020603050405020304" pitchFamily="18" charset="0"/>
+                <a:ea typeface="Arial" charset="0"/>
+                <a:cs typeface="Times New Roman" panose="02020603050405020304" pitchFamily="18" charset="0"/>
+              </a:rPr>
+              <a:t>proporti-ons</a:t>
+            </a:r>
+            <a:r>
+              <a:rPr lang="en-US" altLang="zh-CN" sz="4000" dirty="0">
+                <a:latin typeface="Times New Roman" panose="02020603050405020304" pitchFamily="18" charset="0"/>
+                <a:ea typeface="Arial" charset="0"/>
+                <a:cs typeface="Times New Roman" panose="02020603050405020304" pitchFamily="18" charset="0"/>
+              </a:rPr>
+              <a:t> overlooked.</a:t>
             </a:r>
           </a:p>
           <a:p>
@@ -3234,12 +3282,20 @@
               <a:defRPr/>
             </a:pPr>
             <a:r>
+              <a:rPr lang="en-US" altLang="zh-CN" sz="4000" b="1" dirty="0">
+                <a:latin typeface="Times New Roman" panose="02020603050405020304" pitchFamily="18" charset="0"/>
+                <a:ea typeface="Arial" charset="0"/>
+                <a:cs typeface="Times New Roman" panose="02020603050405020304" pitchFamily="18" charset="0"/>
+              </a:rPr>
+              <a:t>Compositional features present</a:t>
+            </a:r>
+            <a:r>
               <a:rPr lang="en-US" altLang="zh-CN" sz="4000" dirty="0">
                 <a:latin typeface="Times New Roman" panose="02020603050405020304" pitchFamily="18" charset="0"/>
                 <a:ea typeface="Arial" charset="0"/>
                 <a:cs typeface="Times New Roman" panose="02020603050405020304" pitchFamily="18" charset="0"/>
               </a:rPr>
-              <a:t>Compositional features present: Atomic info missing.</a:t>
+              <a:t>: Atomic info missing.</a:t>
             </a:r>
           </a:p>
           <a:p>
@@ -3256,21 +3312,20 @@
               <a:defRPr/>
             </a:pPr>
             <a:r>
+              <a:rPr lang="en-US" altLang="zh-CN" sz="4000" b="1" dirty="0">
+                <a:latin typeface="Times New Roman" panose="02020603050405020304" pitchFamily="18" charset="0"/>
+                <a:ea typeface="Arial" charset="0"/>
+                <a:cs typeface="Times New Roman" panose="02020603050405020304" pitchFamily="18" charset="0"/>
+              </a:rPr>
+              <a:t>Image mapping</a:t>
+            </a:r>
+            <a:r>
               <a:rPr lang="en-US" altLang="zh-CN" sz="4000" dirty="0">
                 <a:latin typeface="Times New Roman" panose="02020603050405020304" pitchFamily="18" charset="0"/>
                 <a:ea typeface="Arial" charset="0"/>
                 <a:cs typeface="Times New Roman" panose="02020603050405020304" pitchFamily="18" charset="0"/>
-                <a:hlinkClick r:id="rId2"/>
-              </a:rPr>
-              <a:t>XenonPy</a:t>
-            </a:r>
-            <a:r>
-              <a:rPr lang="en-US" altLang="zh-CN" sz="4000" dirty="0">
-                <a:latin typeface="Times New Roman" panose="02020603050405020304" pitchFamily="18" charset="0"/>
-                <a:ea typeface="Arial" charset="0"/>
-                <a:cs typeface="Times New Roman" panose="02020603050405020304" pitchFamily="18" charset="0"/>
-              </a:rPr>
-              <a:t>: 58 elemental points,406 extended dimensions.</a:t>
+              </a:rPr>
+              <a:t>: Using XenonPy expand 58 elemental points, 406 extended dimensions.</a:t>
             </a:r>
           </a:p>
           <a:p>
@@ -3287,12 +3342,20 @@
               <a:defRPr/>
             </a:pPr>
             <a:r>
+              <a:rPr lang="en-US" altLang="zh-CN" sz="4000" b="1" dirty="0">
+                <a:latin typeface="Times New Roman" panose="02020603050405020304" pitchFamily="18" charset="0"/>
+                <a:ea typeface="Arial" charset="0"/>
+                <a:cs typeface="Times New Roman" panose="02020603050405020304" pitchFamily="18" charset="0"/>
+              </a:rPr>
+              <a:t>Grayscale images </a:t>
+            </a:r>
+            <a:r>
               <a:rPr lang="en-US" altLang="zh-CN" sz="4000" dirty="0">
                 <a:latin typeface="Times New Roman" panose="02020603050405020304" pitchFamily="18" charset="0"/>
                 <a:ea typeface="Arial" charset="0"/>
                 <a:cs typeface="Times New Roman" panose="02020603050405020304" pitchFamily="18" charset="0"/>
               </a:rPr>
-              <a:t>Grayscale images for CNN extraction.</a:t>
+              <a:t>for CNN extraction.</a:t>
             </a:r>
           </a:p>
         </p:txBody>
@@ -3523,7 +3586,7 @@
                 <a:latin typeface="Raleway" panose="020B0003030101060003" pitchFamily="34" charset="0"/>
                 <a:ea typeface="Arial" charset="0"/>
               </a:rPr>
-              <a:t>Densification and Visualization of Material Composition Characteristics for Enhanced Materials Property Prediction</a:t>
+              <a:t>Enhancing Materials Property Prediction: A Multimodal Learning via Image Mapping of Material Compositions</a:t>
             </a:r>
           </a:p>
         </p:txBody>
@@ -4372,6 +4435,42 @@
             <a:extLst>
               <a:ext uri="{FF2B5EF4-FFF2-40B4-BE49-F238E27FC236}">
                 <a16:creationId xmlns:a16="http://schemas.microsoft.com/office/drawing/2014/main" id="{B9C23DBE-3FDF-6B4D-A0C8-F03049E9C563}"/>
+              </a:ext>
+            </a:extLst>
+          </p:cNvPr>
+          <p:cNvPicPr>
+            <a:picLocks noChangeAspect="1"/>
+          </p:cNvPicPr>
+          <p:nvPr/>
+        </p:nvPicPr>
+        <p:blipFill>
+          <a:blip r:embed="rId2">
+            <a:extLst>
+              <a:ext uri="{28A0092B-C50C-407E-A947-70E740481C1C}">
+                <a14:useLocalDpi xmlns:a14="http://schemas.microsoft.com/office/drawing/2010/main" val="0"/>
+              </a:ext>
+            </a:extLst>
+          </a:blip>
+          <a:stretch>
+            <a:fillRect/>
+          </a:stretch>
+        </p:blipFill>
+        <p:spPr>
+          <a:xfrm>
+            <a:off x="12255986" y="12842072"/>
+            <a:ext cx="621227" cy="621227"/>
+          </a:xfrm>
+          <a:prstGeom prst="rect">
+            <a:avLst/>
+          </a:prstGeom>
+        </p:spPr>
+      </p:pic>
+      <p:pic>
+        <p:nvPicPr>
+          <p:cNvPr id="107" name="Bullet C" descr="C">
+            <a:extLst>
+              <a:ext uri="{FF2B5EF4-FFF2-40B4-BE49-F238E27FC236}">
+                <a16:creationId xmlns:a16="http://schemas.microsoft.com/office/drawing/2014/main" id="{140077D7-D1C1-BB46-BFC7-87FF1E8DB913}"/>
               </a:ext>
             </a:extLst>
           </p:cNvPr>
@@ -4394,42 +4493,6 @@
         </p:blipFill>
         <p:spPr>
           <a:xfrm>
-            <a:off x="12255986" y="12842072"/>
-            <a:ext cx="621227" cy="621227"/>
-          </a:xfrm>
-          <a:prstGeom prst="rect">
-            <a:avLst/>
-          </a:prstGeom>
-        </p:spPr>
-      </p:pic>
-      <p:pic>
-        <p:nvPicPr>
-          <p:cNvPr id="107" name="Bullet C" descr="C">
-            <a:extLst>
-              <a:ext uri="{FF2B5EF4-FFF2-40B4-BE49-F238E27FC236}">
-                <a16:creationId xmlns:a16="http://schemas.microsoft.com/office/drawing/2014/main" id="{140077D7-D1C1-BB46-BFC7-87FF1E8DB913}"/>
-              </a:ext>
-            </a:extLst>
-          </p:cNvPr>
-          <p:cNvPicPr>
-            <a:picLocks noChangeAspect="1"/>
-          </p:cNvPicPr>
-          <p:nvPr/>
-        </p:nvPicPr>
-        <p:blipFill>
-          <a:blip r:embed="rId4">
-            <a:extLst>
-              <a:ext uri="{28A0092B-C50C-407E-A947-70E740481C1C}">
-                <a14:useLocalDpi xmlns:a14="http://schemas.microsoft.com/office/drawing/2010/main" val="0"/>
-              </a:ext>
-            </a:extLst>
-          </a:blip>
-          <a:stretch>
-            <a:fillRect/>
-          </a:stretch>
-        </p:blipFill>
-        <p:spPr>
-          <a:xfrm>
             <a:off x="12255985" y="19960214"/>
             <a:ext cx="621227" cy="621227"/>
           </a:xfrm>
@@ -4507,10 +4570,10 @@
           <p:nvPr/>
         </p:nvPicPr>
         <p:blipFill>
-          <a:blip r:embed="rId5">
+          <a:blip r:embed="rId4">
             <a:extLst>
               <a:ext uri="{96DAC541-7B7A-43D3-8B79-37D633B846F1}">
-                <asvg:svgBlip xmlns:asvg="http://schemas.microsoft.com/office/drawing/2016/SVG/main" r:embed="rId6"/>
+                <asvg:svgBlip xmlns:asvg="http://schemas.microsoft.com/office/drawing/2016/SVG/main" r:embed="rId5"/>
               </a:ext>
             </a:extLst>
           </a:blip>
@@ -4543,7 +4606,7 @@
           <p:nvPr/>
         </p:nvPicPr>
         <p:blipFill>
-          <a:blip r:embed="rId7"/>
+          <a:blip r:embed="rId6"/>
           <a:stretch>
             <a:fillRect/>
           </a:stretch>
@@ -4595,64 +4658,74 @@
               <a:defRPr/>
             </a:pPr>
             <a:r>
-              <a:rPr lang="en-US" altLang="en-US" sz="5400" b="1" dirty="0" err="1">
+              <a:rPr lang="en-US" altLang="zh-CN" sz="5400" b="1" dirty="0">
                 <a:solidFill>
                   <a:srgbClr val="FFFFFF"/>
                 </a:solidFill>
                 <a:latin typeface="Raleway" panose="020B0003030101060003" pitchFamily="34" charset="0"/>
                 <a:ea typeface="Arial" charset="0"/>
               </a:rPr>
-              <a:t>Yeyong</a:t>
-            </a:r>
-            <a:r>
-              <a:rPr lang="en-US" altLang="en-US" sz="5400" b="1" dirty="0">
+              <a:t>Yu </a:t>
+            </a:r>
+            <a:r>
+              <a:rPr lang="en-US" altLang="zh-CN" sz="5400" b="1" dirty="0" err="1">
                 <a:solidFill>
                   <a:srgbClr val="FFFFFF"/>
                 </a:solidFill>
                 <a:latin typeface="Raleway" panose="020B0003030101060003" pitchFamily="34" charset="0"/>
                 <a:ea typeface="Arial" charset="0"/>
               </a:rPr>
-              <a:t> Yu </a:t>
-            </a:r>
-            <a:r>
-              <a:rPr lang="en-US" altLang="en-US" sz="5400" b="1" baseline="30000" dirty="0">
+              <a:t>Yeyong</a:t>
+            </a:r>
+            <a:r>
+              <a:rPr lang="en-US" altLang="en-US" sz="5400" b="1" dirty="0">
                 <a:solidFill>
                   <a:srgbClr val="FFFFFF"/>
                 </a:solidFill>
                 <a:latin typeface="Raleway" panose="020B0003030101060003" pitchFamily="34" charset="0"/>
                 <a:ea typeface="Arial" charset="0"/>
               </a:rPr>
-              <a:t>a</a:t>
-            </a:r>
-            <a:r>
-              <a:rPr lang="en-US" altLang="en-US" sz="5400" b="1" dirty="0">
+              <a:t> </a:t>
+            </a:r>
+            <a:r>
+              <a:rPr lang="en-US" altLang="en-US" sz="5400" b="1" baseline="30000" dirty="0">
                 <a:solidFill>
                   <a:srgbClr val="FFFFFF"/>
                 </a:solidFill>
                 <a:latin typeface="Raleway" panose="020B0003030101060003" pitchFamily="34" charset="0"/>
                 <a:ea typeface="Arial" charset="0"/>
               </a:rPr>
-              <a:t>, Xing Wu </a:t>
-            </a:r>
-            <a:r>
-              <a:rPr lang="en-US" altLang="en-US" sz="5400" b="1" baseline="30000" dirty="0">
+              <a:t>a</a:t>
+            </a:r>
+            <a:r>
+              <a:rPr lang="en-US" altLang="en-US" sz="5400" b="1" dirty="0">
                 <a:solidFill>
                   <a:srgbClr val="FFFFFF"/>
                 </a:solidFill>
                 <a:latin typeface="Raleway" panose="020B0003030101060003" pitchFamily="34" charset="0"/>
                 <a:ea typeface="Arial" charset="0"/>
               </a:rPr>
-              <a:t>a</a:t>
-            </a:r>
-            <a:r>
-              <a:rPr lang="en-US" altLang="en-US" sz="5400" b="1" dirty="0">
+              <a:t>, Wu Xing </a:t>
+            </a:r>
+            <a:r>
+              <a:rPr lang="en-US" altLang="en-US" sz="5400" b="1" baseline="30000" dirty="0">
                 <a:solidFill>
                   <a:srgbClr val="FFFFFF"/>
                 </a:solidFill>
                 <a:latin typeface="Raleway" panose="020B0003030101060003" pitchFamily="34" charset="0"/>
                 <a:ea typeface="Arial" charset="0"/>
               </a:rPr>
-              <a:t>, Quan Qian </a:t>
+              <a:t>a</a:t>
+            </a:r>
+            <a:r>
+              <a:rPr lang="en-US" altLang="en-US" sz="5400" b="1" dirty="0">
+                <a:solidFill>
+                  <a:srgbClr val="FFFFFF"/>
+                </a:solidFill>
+                <a:latin typeface="Raleway" panose="020B0003030101060003" pitchFamily="34" charset="0"/>
+                <a:ea typeface="Arial" charset="0"/>
+              </a:rPr>
+              <a:t>, Qian Quan </a:t>
             </a:r>
             <a:r>
               <a:rPr lang="en-US" altLang="zh-CN" sz="5400" b="1" baseline="30000" dirty="0">
@@ -4795,7 +4868,7 @@
           <p:nvPr/>
         </p:nvPicPr>
         <p:blipFill rotWithShape="1">
-          <a:blip r:embed="rId8"/>
+          <a:blip r:embed="rId7"/>
           <a:srcRect r="54698"/>
           <a:stretch/>
         </p:blipFill>
@@ -4896,7 +4969,7 @@
           <p:nvPr/>
         </p:nvPicPr>
         <p:blipFill>
-          <a:blip r:embed="rId9"/>
+          <a:blip r:embed="rId8"/>
           <a:stretch>
             <a:fillRect/>
           </a:stretch>
@@ -4926,7 +4999,7 @@
           <p:nvPr/>
         </p:nvPicPr>
         <p:blipFill>
-          <a:blip r:embed="rId10"/>
+          <a:blip r:embed="rId9"/>
           <a:stretch>
             <a:fillRect/>
           </a:stretch>
@@ -4956,7 +5029,7 @@
           <p:nvPr/>
         </p:nvPicPr>
         <p:blipFill>
-          <a:blip r:embed="rId11"/>
+          <a:blip r:embed="rId10"/>
           <a:stretch>
             <a:fillRect/>
           </a:stretch>
@@ -4986,7 +5059,7 @@
           <p:nvPr/>
         </p:nvPicPr>
         <p:blipFill>
-          <a:blip r:embed="rId12"/>
+          <a:blip r:embed="rId11"/>
           <a:stretch>
             <a:fillRect/>
           </a:stretch>
@@ -5016,7 +5089,7 @@
           <p:nvPr/>
         </p:nvPicPr>
         <p:blipFill>
-          <a:blip r:embed="rId13"/>
+          <a:blip r:embed="rId12"/>
           <a:stretch>
             <a:fillRect/>
           </a:stretch>
@@ -5046,7 +5119,7 @@
           <p:nvPr/>
         </p:nvPicPr>
         <p:blipFill>
-          <a:blip r:embed="rId14"/>
+          <a:blip r:embed="rId13"/>
           <a:stretch>
             <a:fillRect/>
           </a:stretch>
@@ -5130,7 +5203,7 @@
           <p:nvPr/>
         </p:nvPicPr>
         <p:blipFill>
-          <a:blip r:embed="rId15"/>
+          <a:blip r:embed="rId14"/>
           <a:stretch>
             <a:fillRect/>
           </a:stretch>
@@ -5265,7 +5338,7 @@
           <p:nvPr/>
         </p:nvPicPr>
         <p:blipFill>
-          <a:blip r:embed="rId16"/>
+          <a:blip r:embed="rId15"/>
           <a:stretch>
             <a:fillRect/>
           </a:stretch>
@@ -5295,7 +5368,7 @@
           <p:nvPr/>
         </p:nvPicPr>
         <p:blipFill>
-          <a:blip r:embed="rId17">
+          <a:blip r:embed="rId16">
             <a:extLst>
               <a:ext uri="{28A0092B-C50C-407E-A947-70E740481C1C}">
                 <a14:useLocalDpi xmlns:a14="http://schemas.microsoft.com/office/drawing/2010/main" val="0"/>
@@ -5533,7 +5606,7 @@
               <a:rPr lang="en-US" altLang="zh-CN" sz="3200" b="1" dirty="0">
                 <a:latin typeface="Times New Roman" panose="02020603050405020304" pitchFamily="18" charset="0"/>
                 <a:cs typeface="Times New Roman" panose="02020603050405020304" pitchFamily="18" charset="0"/>
-                <a:hlinkClick r:id="rId18"/>
+                <a:hlinkClick r:id="rId17"/>
               </a:rPr>
               <a:t>NIMS's steel dataset</a:t>
             </a:r>
@@ -5601,7 +5674,7 @@
           <p:nvPr/>
         </p:nvPicPr>
         <p:blipFill>
-          <a:blip r:embed="rId19"/>
+          <a:blip r:embed="rId18"/>
           <a:stretch>
             <a:fillRect/>
           </a:stretch>
@@ -5631,7 +5704,7 @@
           <p:nvPr/>
         </p:nvPicPr>
         <p:blipFill>
-          <a:blip r:embed="rId20"/>
+          <a:blip r:embed="rId19"/>
           <a:stretch>
             <a:fillRect/>
           </a:stretch>
@@ -5661,7 +5734,7 @@
           <p:nvPr/>
         </p:nvPicPr>
         <p:blipFill>
-          <a:blip r:embed="rId21"/>
+          <a:blip r:embed="rId20"/>
           <a:stretch>
             <a:fillRect/>
           </a:stretch>
@@ -5710,7 +5783,7 @@
                 </a:solidFill>
                 <a:latin typeface="Times New Roman" panose="02020603050405020304" pitchFamily="18" charset="0"/>
                 <a:cs typeface="Times New Roman" panose="02020603050405020304" pitchFamily="18" charset="0"/>
-                <a:hlinkClick r:id="rId18"/>
+                <a:hlinkClick r:id="rId17"/>
               </a:rPr>
               <a:t>SRIM's steel dataset</a:t>
             </a:r>
@@ -5803,7 +5876,7 @@
               <a:rPr lang="en-US" altLang="zh-CN" sz="3200" b="1" dirty="0">
                 <a:latin typeface="Times New Roman" panose="02020603050405020304" pitchFamily="18" charset="0"/>
                 <a:cs typeface="Times New Roman" panose="02020603050405020304" pitchFamily="18" charset="0"/>
-                <a:hlinkClick r:id="rId18"/>
+                <a:hlinkClick r:id="rId17"/>
               </a:rPr>
               <a:t>Unbalanced amorphous alloy dataset</a:t>
             </a:r>

--- a/MCVN.pptx
+++ b/MCVN.pptx
@@ -243,7 +243,7 @@
           <a:p>
             <a:fld id="{AFE03F1E-456F-5D40-9A89-77D696A88D57}" type="datetimeFigureOut">
               <a:rPr lang="en-US" smtClean="0"/>
-              <a:t>11/14/2023</a:t>
+              <a:t>11/24/2023</a:t>
             </a:fld>
             <a:endParaRPr lang="en-US"/>
           </a:p>
@@ -479,7 +479,7 @@
           <a:p>
             <a:fld id="{AFE03F1E-456F-5D40-9A89-77D696A88D57}" type="datetimeFigureOut">
               <a:rPr lang="en-US" smtClean="0"/>
-              <a:t>11/14/2023</a:t>
+              <a:t>11/24/2023</a:t>
             </a:fld>
             <a:endParaRPr lang="en-US"/>
           </a:p>
@@ -659,7 +659,7 @@
           <a:p>
             <a:fld id="{AFE03F1E-456F-5D40-9A89-77D696A88D57}" type="datetimeFigureOut">
               <a:rPr lang="en-US" smtClean="0"/>
-              <a:t>11/14/2023</a:t>
+              <a:t>11/24/2023</a:t>
             </a:fld>
             <a:endParaRPr lang="en-US"/>
           </a:p>
@@ -829,7 +829,7 @@
           <a:p>
             <a:fld id="{AFE03F1E-456F-5D40-9A89-77D696A88D57}" type="datetimeFigureOut">
               <a:rPr lang="en-US" smtClean="0"/>
-              <a:t>11/14/2023</a:t>
+              <a:t>11/24/2023</a:t>
             </a:fld>
             <a:endParaRPr lang="en-US"/>
           </a:p>
@@ -1073,7 +1073,7 @@
           <a:p>
             <a:fld id="{AFE03F1E-456F-5D40-9A89-77D696A88D57}" type="datetimeFigureOut">
               <a:rPr lang="en-US" smtClean="0"/>
-              <a:t>11/14/2023</a:t>
+              <a:t>11/24/2023</a:t>
             </a:fld>
             <a:endParaRPr lang="en-US"/>
           </a:p>
@@ -1305,7 +1305,7 @@
           <a:p>
             <a:fld id="{AFE03F1E-456F-5D40-9A89-77D696A88D57}" type="datetimeFigureOut">
               <a:rPr lang="en-US" smtClean="0"/>
-              <a:t>11/14/2023</a:t>
+              <a:t>11/24/2023</a:t>
             </a:fld>
             <a:endParaRPr lang="en-US"/>
           </a:p>
@@ -1672,7 +1672,7 @@
           <a:p>
             <a:fld id="{AFE03F1E-456F-5D40-9A89-77D696A88D57}" type="datetimeFigureOut">
               <a:rPr lang="en-US" smtClean="0"/>
-              <a:t>11/14/2023</a:t>
+              <a:t>11/24/2023</a:t>
             </a:fld>
             <a:endParaRPr lang="en-US"/>
           </a:p>
@@ -1790,7 +1790,7 @@
           <a:p>
             <a:fld id="{AFE03F1E-456F-5D40-9A89-77D696A88D57}" type="datetimeFigureOut">
               <a:rPr lang="en-US" smtClean="0"/>
-              <a:t>11/14/2023</a:t>
+              <a:t>11/24/2023</a:t>
             </a:fld>
             <a:endParaRPr lang="en-US"/>
           </a:p>
@@ -1885,7 +1885,7 @@
           <a:p>
             <a:fld id="{AFE03F1E-456F-5D40-9A89-77D696A88D57}" type="datetimeFigureOut">
               <a:rPr lang="en-US" smtClean="0"/>
-              <a:t>11/14/2023</a:t>
+              <a:t>11/24/2023</a:t>
             </a:fld>
             <a:endParaRPr lang="en-US"/>
           </a:p>
@@ -2162,7 +2162,7 @@
           <a:p>
             <a:fld id="{AFE03F1E-456F-5D40-9A89-77D696A88D57}" type="datetimeFigureOut">
               <a:rPr lang="en-US" smtClean="0"/>
-              <a:t>11/14/2023</a:t>
+              <a:t>11/24/2023</a:t>
             </a:fld>
             <a:endParaRPr lang="en-US"/>
           </a:p>
@@ -2419,7 +2419,7 @@
           <a:p>
             <a:fld id="{AFE03F1E-456F-5D40-9A89-77D696A88D57}" type="datetimeFigureOut">
               <a:rPr lang="en-US" smtClean="0"/>
-              <a:t>11/14/2023</a:t>
+              <a:t>11/24/2023</a:t>
             </a:fld>
             <a:endParaRPr lang="en-US"/>
           </a:p>
@@ -2632,7 +2632,7 @@
           <a:p>
             <a:fld id="{AFE03F1E-456F-5D40-9A89-77D696A88D57}" type="datetimeFigureOut">
               <a:rPr lang="en-US" smtClean="0"/>
-              <a:t>11/14/2023</a:t>
+              <a:t>11/24/2023</a:t>
             </a:fld>
             <a:endParaRPr lang="en-US"/>
           </a:p>
@@ -3374,7 +3374,7 @@
         </p:nvSpPr>
         <p:spPr>
           <a:xfrm>
-            <a:off x="-65314" y="-334110"/>
+            <a:off x="-130628" y="-334110"/>
             <a:ext cx="33049028" cy="6057895"/>
           </a:xfrm>
           <a:prstGeom prst="rect">
@@ -4635,8 +4635,8 @@
         </p:nvSpPr>
         <p:spPr>
           <a:xfrm>
-            <a:off x="277694" y="2225635"/>
-            <a:ext cx="18071174" cy="3164969"/>
+            <a:off x="277693" y="2225635"/>
+            <a:ext cx="19546884" cy="3416320"/>
           </a:xfrm>
           <a:prstGeom prst="rect">
             <a:avLst/>
@@ -4649,9 +4649,6 @@
           <a:lstStyle/>
           <a:p>
             <a:pPr>
-              <a:lnSpc>
-                <a:spcPct val="125000"/>
-              </a:lnSpc>
               <a:spcBef>
                 <a:spcPts val="1152"/>
               </a:spcBef>
@@ -4708,14 +4705,14 @@
               <a:t>, Wu Xing </a:t>
             </a:r>
             <a:r>
-              <a:rPr lang="en-US" altLang="en-US" sz="5400" b="1" baseline="30000" dirty="0">
+              <a:rPr lang="en-US" altLang="en-US" sz="5400" b="1" baseline="30000" dirty="0" err="1">
                 <a:solidFill>
                   <a:srgbClr val="FFFFFF"/>
                 </a:solidFill>
                 <a:latin typeface="Raleway" panose="020B0003030101060003" pitchFamily="34" charset="0"/>
                 <a:ea typeface="Arial" charset="0"/>
               </a:rPr>
-              <a:t>a</a:t>
+              <a:t>a,c</a:t>
             </a:r>
             <a:r>
               <a:rPr lang="en-US" altLang="en-US" sz="5400" b="1" dirty="0">
@@ -4725,27 +4722,77 @@
                 <a:latin typeface="Raleway" panose="020B0003030101060003" pitchFamily="34" charset="0"/>
                 <a:ea typeface="Arial" charset="0"/>
               </a:rPr>
-              <a:t>, Qian Quan </a:t>
-            </a:r>
-            <a:r>
-              <a:rPr lang="en-US" altLang="zh-CN" sz="5400" b="1" baseline="30000" dirty="0">
+              <a:t>, </a:t>
+            </a:r>
+            <a:r>
+              <a:rPr lang="en-US" altLang="zh-CN" sz="5400" b="1" dirty="0">
                 <a:solidFill>
                   <a:srgbClr val="FFFFFF"/>
                 </a:solidFill>
                 <a:latin typeface="Raleway" panose="020B0003030101060003" pitchFamily="34" charset="0"/>
                 <a:ea typeface="Arial" charset="0"/>
               </a:rPr>
-              <a:t>a, b</a:t>
-            </a:r>
-            <a:r>
-              <a:rPr lang="en-US" altLang="en-US" sz="5400" b="1" baseline="30000" dirty="0">
+              <a:t>Zhang </a:t>
+            </a:r>
+            <a:r>
+              <a:rPr lang="en-US" altLang="zh-CN" sz="5400" b="1" dirty="0" err="1">
                 <a:solidFill>
                   <a:srgbClr val="FFFFFF"/>
                 </a:solidFill>
                 <a:latin typeface="Raleway" panose="020B0003030101060003" pitchFamily="34" charset="0"/>
                 <a:ea typeface="Arial" charset="0"/>
               </a:rPr>
-              <a:t>, </a:t>
+              <a:t>Huiran</a:t>
+            </a:r>
+            <a:r>
+              <a:rPr lang="en-US" altLang="en-US" sz="5400" b="1" baseline="30000" dirty="0">
+                <a:solidFill>
+                  <a:srgbClr val="FFFFFF"/>
+                </a:solidFill>
+                <a:latin typeface="Raleway" panose="020B0003030101060003" pitchFamily="34" charset="0"/>
+                <a:ea typeface="Arial" charset="0"/>
+              </a:rPr>
+              <a:t> </a:t>
+            </a:r>
+            <a:r>
+              <a:rPr lang="en-US" altLang="en-US" sz="5400" b="1" baseline="30000" dirty="0" err="1">
+                <a:solidFill>
+                  <a:srgbClr val="FFFFFF"/>
+                </a:solidFill>
+                <a:latin typeface="Raleway" panose="020B0003030101060003" pitchFamily="34" charset="0"/>
+                <a:ea typeface="Arial" charset="0"/>
+              </a:rPr>
+              <a:t>a,c</a:t>
+            </a:r>
+            <a:r>
+              <a:rPr lang="en-US" altLang="en-US" sz="5400" b="1" dirty="0">
+                <a:solidFill>
+                  <a:srgbClr val="FFFFFF"/>
+                </a:solidFill>
+                <a:latin typeface="Raleway" panose="020B0003030101060003" pitchFamily="34" charset="0"/>
+                <a:ea typeface="Arial" charset="0"/>
+              </a:rPr>
+              <a:t> , Qian Quan </a:t>
+            </a:r>
+            <a:r>
+              <a:rPr lang="en-US" altLang="zh-CN" sz="5400" b="1" baseline="30000" dirty="0">
+                <a:solidFill>
+                  <a:srgbClr val="FFFFFF"/>
+                </a:solidFill>
+                <a:latin typeface="Raleway" panose="020B0003030101060003" pitchFamily="34" charset="0"/>
+                <a:ea typeface="Arial" charset="0"/>
+              </a:rPr>
+              <a:t>a, b</a:t>
+            </a:r>
+            <a:r>
+              <a:rPr lang="en-US" altLang="en-US" sz="5400" b="1" baseline="30000" dirty="0">
+                <a:solidFill>
+                  <a:srgbClr val="FFFFFF"/>
+                </a:solidFill>
+                <a:latin typeface="Raleway" panose="020B0003030101060003" pitchFamily="34" charset="0"/>
+                <a:ea typeface="Arial" charset="0"/>
+              </a:rPr>
+              <a:t>, c,</a:t>
             </a:r>
             <a:r>
               <a:rPr lang="en-US" altLang="en-US" sz="5400" b="1" dirty="0">
@@ -4767,9 +4814,6 @@
           </a:p>
           <a:p>
             <a:pPr>
-              <a:lnSpc>
-                <a:spcPct val="125000"/>
-              </a:lnSpc>
               <a:spcBef>
                 <a:spcPts val="1152"/>
               </a:spcBef>
@@ -4815,9 +4859,6 @@
           </a:p>
           <a:p>
             <a:pPr>
-              <a:lnSpc>
-                <a:spcPct val="125000"/>
-              </a:lnSpc>
               <a:spcBef>
                 <a:spcPts val="1152"/>
               </a:spcBef>
@@ -4843,13 +4884,34 @@
               </a:rPr>
               <a:t>Materials Genome Institute, Shanghai University, Shanghai</a:t>
             </a:r>
-            <a:endParaRPr lang="en-US" altLang="en-US" sz="4000" dirty="0">
-              <a:solidFill>
-                <a:schemeClr val="bg1"/>
-              </a:solidFill>
-              <a:latin typeface="Raleway" panose="020B0003030101060003" pitchFamily="34" charset="0"/>
-              <a:ea typeface="Arial" charset="0"/>
-            </a:endParaRPr>
+          </a:p>
+          <a:p>
+            <a:pPr>
+              <a:spcBef>
+                <a:spcPts val="1152"/>
+              </a:spcBef>
+              <a:defRPr/>
+            </a:pPr>
+            <a:r>
+              <a:rPr lang="en-US" altLang="en-US" sz="6000" baseline="30000" dirty="0">
+                <a:solidFill>
+                  <a:prstClr val="white"/>
+                </a:solidFill>
+                <a:latin typeface="Raleway" panose="020B0003030101060003" pitchFamily="34" charset="0"/>
+                <a:ea typeface="Arial" charset="0"/>
+              </a:rPr>
+              <a:t>c. </a:t>
+            </a:r>
+            <a:r>
+              <a:rPr lang="en-US" altLang="en-US" sz="4400" dirty="0">
+                <a:solidFill>
+                  <a:schemeClr val="bg1"/>
+                </a:solidFill>
+                <a:latin typeface="Raleway" panose="020B0003030101060003" pitchFamily="34" charset="0"/>
+                <a:ea typeface="Arial" charset="0"/>
+              </a:rPr>
+              <a:t>Zhejiang Laboratory, Hangzhou</a:t>
+            </a:r>
           </a:p>
         </p:txBody>
       </p:sp>
@@ -5232,8 +5294,8 @@
         </p:nvSpPr>
         <p:spPr>
           <a:xfrm>
-            <a:off x="18420069" y="3691987"/>
-            <a:ext cx="14205748" cy="923330"/>
+            <a:off x="18732475" y="3094646"/>
+            <a:ext cx="14205748" cy="2432654"/>
           </a:xfrm>
           <a:prstGeom prst="rect">
             <a:avLst/>
@@ -5245,6 +5307,11 @@
           </a:bodyPr>
           <a:lstStyle/>
           <a:p>
+            <a:pPr>
+              <a:lnSpc>
+                <a:spcPct val="150000"/>
+              </a:lnSpc>
+            </a:pPr>
             <a:r>
               <a:rPr lang="en-US" altLang="zh-CN" sz="5400" b="1" dirty="0">
                 <a:solidFill>
@@ -5271,6 +5338,22 @@
                 <a:latin typeface="Raleway" panose="020B0003030101060003" pitchFamily="34" charset="0"/>
               </a:rPr>
               <a:t> Forum of Materials Genome Engineering</a:t>
+            </a:r>
+          </a:p>
+          <a:p>
+            <a:pPr>
+              <a:lnSpc>
+                <a:spcPct val="150000"/>
+              </a:lnSpc>
+            </a:pPr>
+            <a:r>
+              <a:rPr lang="en-US" altLang="zh-CN" sz="5400" b="1" u="sng" dirty="0">
+                <a:solidFill>
+                  <a:schemeClr val="bg1"/>
+                </a:solidFill>
+                <a:latin typeface="Raleway" panose="020B0003030101060003" pitchFamily="34" charset="0"/>
+              </a:rPr>
+              <a:t>qqian@shu.edu.cn</a:t>
             </a:r>
           </a:p>
         </p:txBody>
